--- a/presentation/Intermediaire/Hard-pass.pptx
+++ b/presentation/Intermediaire/Hard-pass.pptx
@@ -5,24 +5,26 @@
     <p:sldMasterId id="2147483659" r:id="rId1"/>
   </p:sldMasterIdLst>
   <p:notesMasterIdLst>
-    <p:notesMasterId r:id="rId17"/>
+    <p:notesMasterId r:id="rId19"/>
   </p:notesMasterIdLst>
   <p:sldIdLst>
     <p:sldId id="256" r:id="rId2"/>
     <p:sldId id="257" r:id="rId3"/>
     <p:sldId id="259" r:id="rId4"/>
-    <p:sldId id="260" r:id="rId5"/>
-    <p:sldId id="263" r:id="rId6"/>
-    <p:sldId id="264" r:id="rId7"/>
-    <p:sldId id="265" r:id="rId8"/>
-    <p:sldId id="266" r:id="rId9"/>
-    <p:sldId id="267" r:id="rId10"/>
-    <p:sldId id="268" r:id="rId11"/>
-    <p:sldId id="269" r:id="rId12"/>
-    <p:sldId id="270" r:id="rId13"/>
-    <p:sldId id="271" r:id="rId14"/>
-    <p:sldId id="272" r:id="rId15"/>
-    <p:sldId id="262" r:id="rId16"/>
+    <p:sldId id="273" r:id="rId5"/>
+    <p:sldId id="275" r:id="rId6"/>
+    <p:sldId id="260" r:id="rId7"/>
+    <p:sldId id="263" r:id="rId8"/>
+    <p:sldId id="264" r:id="rId9"/>
+    <p:sldId id="265" r:id="rId10"/>
+    <p:sldId id="266" r:id="rId11"/>
+    <p:sldId id="267" r:id="rId12"/>
+    <p:sldId id="268" r:id="rId13"/>
+    <p:sldId id="269" r:id="rId14"/>
+    <p:sldId id="270" r:id="rId15"/>
+    <p:sldId id="271" r:id="rId16"/>
+    <p:sldId id="272" r:id="rId17"/>
+    <p:sldId id="262" r:id="rId18"/>
   </p:sldIdLst>
   <p:sldSz cx="9144000" cy="5143500" type="screen16x9"/>
   <p:notesSz cx="6858000" cy="9144000"/>
@@ -4386,7 +4388,7 @@
         <p:spPr>
           <a:xfrm>
             <a:off x="1071538" y="4429138"/>
-            <a:ext cx="7000924" cy="307777"/>
+            <a:ext cx="7000924" cy="523220"/>
           </a:xfrm>
           <a:prstGeom prst="rect">
             <a:avLst/>
@@ -4400,12 +4402,16 @@
           <a:lstStyle/>
           <a:p>
             <a:r>
+              <a:rPr lang="fr-CH" dirty="0" smtClean="0"/>
+              <a:t>Da Silva Bruno 		 </a:t>
+            </a:r>
+            <a:r>
               <a:rPr lang="fr-CH" dirty="0" err="1" smtClean="0"/>
               <a:t>Lizzi</a:t>
             </a:r>
             <a:r>
               <a:rPr lang="fr-CH" dirty="0" smtClean="0"/>
-              <a:t> Dimitri			Sousa Claudio		Da Silva Bruno</a:t>
+              <a:t> Dimitri 		Sousa Claudio		</a:t>
             </a:r>
             <a:endParaRPr lang="fr-CH" dirty="0"/>
           </a:p>
@@ -4445,7 +4451,7 @@
       </p:grpSpPr>
       <p:pic>
         <p:nvPicPr>
-          <p:cNvPr id="4" name="Image 3" descr="06.png"/>
+          <p:cNvPr id="4" name="Image 3" descr="04.png"/>
           <p:cNvPicPr>
             <a:picLocks noChangeAspect="1"/>
           </p:cNvPicPr>
@@ -4501,7 +4507,7 @@
       </p:grpSpPr>
       <p:pic>
         <p:nvPicPr>
-          <p:cNvPr id="4" name="Image 3" descr="07.png"/>
+          <p:cNvPr id="4" name="Image 3" descr="05.png"/>
           <p:cNvPicPr>
             <a:picLocks noChangeAspect="1"/>
           </p:cNvPicPr>
@@ -4557,7 +4563,7 @@
       </p:grpSpPr>
       <p:pic>
         <p:nvPicPr>
-          <p:cNvPr id="4" name="Image 3" descr="08.png"/>
+          <p:cNvPr id="4" name="Image 3" descr="06.png"/>
           <p:cNvPicPr>
             <a:picLocks noChangeAspect="1"/>
           </p:cNvPicPr>
@@ -4613,7 +4619,7 @@
       </p:grpSpPr>
       <p:pic>
         <p:nvPicPr>
-          <p:cNvPr id="4" name="Image 3" descr="09.png"/>
+          <p:cNvPr id="4" name="Image 3" descr="07.png"/>
           <p:cNvPicPr>
             <a:picLocks noChangeAspect="1"/>
           </p:cNvPicPr>
@@ -4669,7 +4675,7 @@
       </p:grpSpPr>
       <p:pic>
         <p:nvPicPr>
-          <p:cNvPr id="4" name="Image 3" descr="010.png"/>
+          <p:cNvPr id="4" name="Image 3" descr="08.png"/>
           <p:cNvPicPr>
             <a:picLocks noChangeAspect="1"/>
           </p:cNvPicPr>
@@ -4707,6 +4713,118 @@
 </file>
 
 <file path=ppt/slides/slide15.xml><?xml version="1.0" encoding="utf-8"?>
+<p:sld xmlns:a="http://schemas.openxmlformats.org/drawingml/2006/main" xmlns:r="http://schemas.openxmlformats.org/officeDocument/2006/relationships" xmlns:p="http://schemas.openxmlformats.org/presentationml/2006/main">
+  <p:cSld>
+    <p:spTree>
+      <p:nvGrpSpPr>
+        <p:cNvPr id="1" name=""/>
+        <p:cNvGrpSpPr/>
+        <p:nvPr/>
+      </p:nvGrpSpPr>
+      <p:grpSpPr>
+        <a:xfrm>
+          <a:off x="0" y="0"/>
+          <a:ext cx="0" cy="0"/>
+          <a:chOff x="0" y="0"/>
+          <a:chExt cx="0" cy="0"/>
+        </a:xfrm>
+      </p:grpSpPr>
+      <p:pic>
+        <p:nvPicPr>
+          <p:cNvPr id="3" name="Image 2" descr="09.png"/>
+          <p:cNvPicPr>
+            <a:picLocks noChangeAspect="1"/>
+          </p:cNvPicPr>
+          <p:nvPr/>
+        </p:nvPicPr>
+        <p:blipFill>
+          <a:blip r:embed="rId2"/>
+          <a:stretch>
+            <a:fillRect/>
+          </a:stretch>
+        </p:blipFill>
+        <p:spPr>
+          <a:xfrm>
+            <a:off x="0" y="0"/>
+            <a:ext cx="9144000" cy="5143500"/>
+          </a:xfrm>
+          <a:prstGeom prst="rect">
+            <a:avLst/>
+          </a:prstGeom>
+        </p:spPr>
+      </p:pic>
+    </p:spTree>
+  </p:cSld>
+  <p:clrMapOvr>
+    <a:masterClrMapping/>
+  </p:clrMapOvr>
+  <p:timing>
+    <p:tnLst>
+      <p:par>
+        <p:cTn id="1" dur="indefinite" restart="never" nodeType="tmRoot"/>
+      </p:par>
+    </p:tnLst>
+  </p:timing>
+</p:sld>
+</file>
+
+<file path=ppt/slides/slide16.xml><?xml version="1.0" encoding="utf-8"?>
+<p:sld xmlns:a="http://schemas.openxmlformats.org/drawingml/2006/main" xmlns:r="http://schemas.openxmlformats.org/officeDocument/2006/relationships" xmlns:p="http://schemas.openxmlformats.org/presentationml/2006/main">
+  <p:cSld>
+    <p:spTree>
+      <p:nvGrpSpPr>
+        <p:cNvPr id="1" name=""/>
+        <p:cNvGrpSpPr/>
+        <p:nvPr/>
+      </p:nvGrpSpPr>
+      <p:grpSpPr>
+        <a:xfrm>
+          <a:off x="0" y="0"/>
+          <a:ext cx="0" cy="0"/>
+          <a:chOff x="0" y="0"/>
+          <a:chExt cx="0" cy="0"/>
+        </a:xfrm>
+      </p:grpSpPr>
+      <p:pic>
+        <p:nvPicPr>
+          <p:cNvPr id="4" name="Image 3" descr="010.png"/>
+          <p:cNvPicPr>
+            <a:picLocks noChangeAspect="1"/>
+          </p:cNvPicPr>
+          <p:nvPr/>
+        </p:nvPicPr>
+        <p:blipFill>
+          <a:blip r:embed="rId2"/>
+          <a:stretch>
+            <a:fillRect/>
+          </a:stretch>
+        </p:blipFill>
+        <p:spPr>
+          <a:xfrm>
+            <a:off x="0" y="0"/>
+            <a:ext cx="9144000" cy="5143500"/>
+          </a:xfrm>
+          <a:prstGeom prst="rect">
+            <a:avLst/>
+          </a:prstGeom>
+        </p:spPr>
+      </p:pic>
+    </p:spTree>
+  </p:cSld>
+  <p:clrMapOvr>
+    <a:masterClrMapping/>
+  </p:clrMapOvr>
+  <p:timing>
+    <p:tnLst>
+      <p:par>
+        <p:cTn id="1" dur="indefinite" restart="never" nodeType="tmRoot"/>
+      </p:par>
+    </p:tnLst>
+  </p:timing>
+</p:sld>
+</file>
+
+<file path=ppt/slides/slide17.xml><?xml version="1.0" encoding="utf-8"?>
 <p:sld xmlns:a="http://schemas.openxmlformats.org/drawingml/2006/main" xmlns:r="http://schemas.openxmlformats.org/officeDocument/2006/relationships" xmlns:p="http://schemas.openxmlformats.org/presentationml/2006/main">
   <p:cSld>
     <p:spTree>
@@ -4913,7 +5031,15 @@
             </a:r>
             <a:r>
               <a:rPr lang="en" dirty="0"/>
-              <a:t>LastPass Leaking Passwords Via Chrome Extension”</a:t>
+              <a:t>LastPass Leaking </a:t>
+            </a:r>
+            <a:r>
+              <a:rPr lang="en" dirty="0" smtClean="0"/>
+              <a:t>Passwords”</a:t>
+            </a:r>
+            <a:r>
+              <a:rPr lang="en" dirty="0"/>
+              <a:t/>
             </a:r>
             <a:br>
               <a:rPr lang="en" dirty="0"/>
@@ -5144,9 +5270,14 @@
               <a:buChar char="●"/>
             </a:pPr>
             <a:r>
-              <a:rPr lang="en"/>
-              <a:t>Riche set de characters</a:t>
+              <a:rPr lang="en" dirty="0"/>
+              <a:t>Riche </a:t>
             </a:r>
+            <a:r>
+              <a:rPr lang="en" dirty="0" smtClean="0"/>
+              <a:t>jeu de caractères</a:t>
+            </a:r>
+            <a:endParaRPr lang="en" dirty="0"/>
           </a:p>
           <a:p>
             <a:pPr marL="457200" lvl="0" indent="-228600" rtl="0">
@@ -5159,13 +5290,18 @@
               <a:buChar char="●"/>
             </a:pPr>
             <a:r>
-              <a:rPr lang="en">
+              <a:rPr lang="en" dirty="0" smtClean="0">
                 <a:solidFill>
                   <a:schemeClr val="dk1"/>
                 </a:solidFill>
               </a:rPr>
-              <a:t>Longue</a:t>
+              <a:t>Long</a:t>
             </a:r>
+            <a:endParaRPr lang="en" dirty="0">
+              <a:solidFill>
+                <a:schemeClr val="dk1"/>
+              </a:solidFill>
+            </a:endParaRPr>
           </a:p>
         </p:txBody>
       </p:sp>
@@ -5177,8 +5313,8 @@
         </p:nvSpPr>
         <p:spPr>
           <a:xfrm>
-            <a:off x="771450" y="1828925"/>
-            <a:ext cx="1976400" cy="1187100"/>
+            <a:off x="142844" y="1857370"/>
+            <a:ext cx="2500330" cy="1187100"/>
           </a:xfrm>
           <a:prstGeom prst="rect">
             <a:avLst/>
@@ -5202,8 +5338,13 @@
             </a:pPr>
             <a:r>
               <a:rPr lang="en" dirty="0"/>
-              <a:t>Non reutilisée </a:t>
+              <a:t>Non </a:t>
             </a:r>
+            <a:r>
+              <a:rPr lang="en" dirty="0" smtClean="0"/>
+              <a:t>réutilisé</a:t>
+            </a:r>
+            <a:endParaRPr lang="en" dirty="0"/>
           </a:p>
           <a:p>
             <a:pPr marL="457200" lvl="0" indent="-228600" rtl="0">
@@ -5214,20 +5355,13 @@
             </a:pPr>
             <a:r>
               <a:rPr lang="en" dirty="0"/>
-              <a:t>Non previsible</a:t>
+              <a:t>Non </a:t>
             </a:r>
-          </a:p>
-          <a:p>
-            <a:pPr marL="457200" lvl="0" indent="-228600" rtl="0">
-              <a:spcBef>
-                <a:spcPts val="0"/>
-              </a:spcBef>
-              <a:buChar char="●"/>
-            </a:pPr>
             <a:r>
-              <a:rPr lang="en" dirty="0"/>
-              <a:t>Pas de pattern global</a:t>
+              <a:rPr lang="en" dirty="0" smtClean="0"/>
+              <a:t>prévisible</a:t>
             </a:r>
+            <a:endParaRPr lang="en" dirty="0"/>
           </a:p>
           <a:p>
             <a:pPr lvl="0" rtl="0">
@@ -5272,8 +5406,12 @@
               <a:buChar char="●"/>
             </a:pPr>
             <a:r>
-              <a:rPr lang="en"/>
-              <a:t>Stockee nulle part</a:t>
+              <a:rPr lang="en" dirty="0" smtClean="0"/>
+              <a:t>Stocké nulle </a:t>
+            </a:r>
+            <a:r>
+              <a:rPr lang="en" dirty="0"/>
+              <a:t>part</a:t>
             </a:r>
           </a:p>
           <a:p>
@@ -5284,7 +5422,7 @@
               <a:buChar char="●"/>
             </a:pPr>
             <a:r>
-              <a:rPr lang="en"/>
+              <a:rPr lang="en" dirty="0"/>
               <a:t>N’existe que dans votre tête</a:t>
             </a:r>
           </a:p>
@@ -5539,9 +5677,10 @@
               <a:buNone/>
             </a:pPr>
             <a:r>
-              <a:rPr lang="en" dirty="0"/>
-              <a:t>Secrete</a:t>
+              <a:rPr lang="en" dirty="0" smtClean="0"/>
+              <a:t>Secret</a:t>
             </a:r>
+            <a:endParaRPr lang="en" dirty="0"/>
           </a:p>
         </p:txBody>
       </p:sp>
@@ -5565,7 +5704,7 @@
   <p:cSld>
     <p:spTree>
       <p:nvGrpSpPr>
-        <p:cNvPr id="1" name="Shape 83"/>
+        <p:cNvPr id="1" name=""/>
         <p:cNvGrpSpPr/>
         <p:nvPr/>
       </p:nvGrpSpPr>
@@ -5579,46 +5718,31 @@
       </p:grpSpPr>
       <p:sp>
         <p:nvSpPr>
-          <p:cNvPr id="84" name="Shape 84"/>
-          <p:cNvSpPr txBox="1">
+          <p:cNvPr id="2" name="Titre 1"/>
+          <p:cNvSpPr>
             <a:spLocks noGrp="1"/>
           </p:cNvSpPr>
           <p:nvPr>
             <p:ph type="title"/>
           </p:nvPr>
         </p:nvSpPr>
-        <p:spPr>
-          <a:xfrm>
-            <a:off x="311700" y="445025"/>
-            <a:ext cx="8520600" cy="572700"/>
-          </a:xfrm>
-          <a:prstGeom prst="rect">
-            <a:avLst/>
-          </a:prstGeom>
-        </p:spPr>
+        <p:spPr/>
         <p:txBody>
-          <a:bodyPr lIns="91425" tIns="91425" rIns="91425" bIns="91425" anchor="t" anchorCtr="0">
-            <a:noAutofit/>
-          </a:bodyPr>
+          <a:bodyPr/>
           <a:lstStyle/>
           <a:p>
-            <a:pPr lvl="0" rtl="0">
-              <a:spcBef>
-                <a:spcPts val="0"/>
-              </a:spcBef>
-              <a:buNone/>
-            </a:pPr>
             <a:r>
-              <a:rPr lang="en"/>
-              <a:t>Notre proposition: architecture</a:t>
+              <a:rPr lang="fr-CH" dirty="0" smtClean="0"/>
+              <a:t>Notre solution</a:t>
             </a:r>
+            <a:endParaRPr lang="fr-CH" dirty="0"/>
           </a:p>
         </p:txBody>
       </p:sp>
       <p:sp>
         <p:nvSpPr>
-          <p:cNvPr id="85" name="Shape 85"/>
-          <p:cNvSpPr txBox="1">
+          <p:cNvPr id="3" name="Espace réservé du texte 2"/>
+          <p:cNvSpPr>
             <a:spLocks noGrp="1"/>
           </p:cNvSpPr>
           <p:nvPr>
@@ -5628,175 +5752,80 @@
         <p:spPr>
           <a:xfrm>
             <a:off x="311700" y="1152475"/>
-            <a:ext cx="8520600" cy="3416400"/>
-          </a:xfrm>
-          <a:prstGeom prst="rect">
-            <a:avLst/>
-          </a:prstGeom>
+            <a:ext cx="8520600" cy="1490713"/>
+          </a:xfrm>
         </p:spPr>
         <p:txBody>
-          <a:bodyPr lIns="91425" tIns="91425" rIns="91425" bIns="91425" anchor="t" anchorCtr="0">
-            <a:noAutofit/>
-          </a:bodyPr>
+          <a:bodyPr/>
           <a:lstStyle/>
           <a:p>
-            <a:pPr lvl="0" rtl="0">
-              <a:spcBef>
-                <a:spcPts val="0"/>
-              </a:spcBef>
-              <a:buNone/>
+            <a:pPr>
+              <a:buFont typeface="Arial" pitchFamily="34" charset="0"/>
+              <a:buChar char="•"/>
             </a:pPr>
             <a:r>
-              <a:rPr lang="en"/>
-              <a:t>DO ARCHITECTURE DIAGRAM HERE AND EXPLAIN</a:t>
+              <a:rPr lang="fr-CH" dirty="0" smtClean="0"/>
+              <a:t> Un seul mot de passe « maître » à mémoriser</a:t>
             </a:r>
+          </a:p>
+          <a:p>
+            <a:pPr>
+              <a:buFont typeface="Arial" pitchFamily="34" charset="0"/>
+              <a:buChar char="•"/>
+            </a:pPr>
+            <a:r>
+              <a:rPr lang="fr-CH" dirty="0" smtClean="0"/>
+              <a:t> Mot de passe généré pour chaque domaine</a:t>
+            </a:r>
+            <a:br>
+              <a:rPr lang="fr-CH" dirty="0" smtClean="0"/>
+            </a:br>
+            <a:r>
+              <a:rPr lang="fr-CH" dirty="0" smtClean="0"/>
+              <a:t>	</a:t>
+            </a:r>
+            <a:r>
+              <a:rPr lang="fr-CH" dirty="0" err="1" smtClean="0">
+                <a:latin typeface="Consolas" pitchFamily="49" charset="0"/>
+              </a:rPr>
+              <a:t>domain_pwd</a:t>
+            </a:r>
+            <a:r>
+              <a:rPr lang="fr-CH" dirty="0" smtClean="0">
+                <a:latin typeface="Consolas" pitchFamily="49" charset="0"/>
+              </a:rPr>
+              <a:t> = hash(</a:t>
+            </a:r>
+            <a:r>
+              <a:rPr lang="fr-CH" dirty="0" err="1" smtClean="0">
+                <a:latin typeface="Consolas" pitchFamily="49" charset="0"/>
+              </a:rPr>
+              <a:t>master_pwd</a:t>
+            </a:r>
+            <a:r>
+              <a:rPr lang="fr-CH" dirty="0" smtClean="0">
+                <a:latin typeface="Consolas" pitchFamily="49" charset="0"/>
+              </a:rPr>
+              <a:t>, </a:t>
+            </a:r>
+            <a:r>
+              <a:rPr lang="fr-CH" dirty="0" err="1" smtClean="0">
+                <a:latin typeface="Consolas" pitchFamily="49" charset="0"/>
+              </a:rPr>
+              <a:t>domain</a:t>
+            </a:r>
+            <a:r>
+              <a:rPr lang="fr-CH" dirty="0" smtClean="0">
+                <a:latin typeface="Consolas" pitchFamily="49" charset="0"/>
+              </a:rPr>
+              <a:t>)</a:t>
+            </a:r>
+          </a:p>
+          <a:p>
+            <a:endParaRPr lang="fr-CH" dirty="0" smtClean="0"/>
           </a:p>
         </p:txBody>
       </p:sp>
-      <p:pic>
-        <p:nvPicPr>
-          <p:cNvPr id="6" name="Image 5" descr="91140-2-4-Touch-TFT-LCD-Arduino-Shield-OEM-Pic002-700x700.jpg"/>
-          <p:cNvPicPr>
-            <a:picLocks noChangeAspect="1"/>
-          </p:cNvPicPr>
-          <p:nvPr/>
-        </p:nvPicPr>
-        <p:blipFill>
-          <a:blip r:embed="rId3"/>
-          <a:stretch>
-            <a:fillRect/>
-          </a:stretch>
-        </p:blipFill>
-        <p:spPr>
-          <a:xfrm>
-            <a:off x="357158" y="2571732"/>
-            <a:ext cx="2571768" cy="2571768"/>
-          </a:xfrm>
-          <a:prstGeom prst="rect">
-            <a:avLst/>
-          </a:prstGeom>
-        </p:spPr>
-      </p:pic>
-      <p:pic>
-        <p:nvPicPr>
-          <p:cNvPr id="7" name="Image 6" descr="240_F_104229027_LRi64xNEmP5QZSuVdCUEAXT7G94fsvz4.jpg"/>
-          <p:cNvPicPr>
-            <a:picLocks noChangeAspect="1"/>
-          </p:cNvPicPr>
-          <p:nvPr/>
-        </p:nvPicPr>
-        <p:blipFill>
-          <a:blip r:embed="rId4"/>
-          <a:stretch>
-            <a:fillRect/>
-          </a:stretch>
-        </p:blipFill>
-        <p:spPr>
-          <a:xfrm>
-            <a:off x="4267200" y="1785932"/>
-            <a:ext cx="4876800" cy="3048000"/>
-          </a:xfrm>
-          <a:prstGeom prst="rect">
-            <a:avLst/>
-          </a:prstGeom>
-        </p:spPr>
-      </p:pic>
-      <p:pic>
-        <p:nvPicPr>
-          <p:cNvPr id="9" name="Image 8" descr="01.png"/>
-          <p:cNvPicPr>
-            <a:picLocks noChangeAspect="1"/>
-          </p:cNvPicPr>
-          <p:nvPr/>
-        </p:nvPicPr>
-        <p:blipFill>
-          <a:blip r:embed="rId5"/>
-          <a:stretch>
-            <a:fillRect/>
-          </a:stretch>
-        </p:blipFill>
-        <p:spPr>
-          <a:xfrm>
-            <a:off x="500034" y="1714494"/>
-            <a:ext cx="2180412" cy="1285884"/>
-          </a:xfrm>
-          <a:prstGeom prst="rect">
-            <a:avLst/>
-          </a:prstGeom>
-        </p:spPr>
-      </p:pic>
-      <p:pic>
-        <p:nvPicPr>
-          <p:cNvPr id="11" name="Image 10" descr="03.png"/>
-          <p:cNvPicPr>
-            <a:picLocks noChangeAspect="1"/>
-          </p:cNvPicPr>
-          <p:nvPr/>
-        </p:nvPicPr>
-        <p:blipFill>
-          <a:blip r:embed="rId6"/>
-          <a:stretch>
-            <a:fillRect/>
-          </a:stretch>
-        </p:blipFill>
-        <p:spPr>
-          <a:xfrm rot="2885903">
-            <a:off x="2492266" y="4001132"/>
-            <a:ext cx="674672" cy="1068787"/>
-          </a:xfrm>
-          <a:prstGeom prst="rect">
-            <a:avLst/>
-          </a:prstGeom>
-        </p:spPr>
-      </p:pic>
-      <p:pic>
-        <p:nvPicPr>
-          <p:cNvPr id="14" name="Image 13" descr="04.png"/>
-          <p:cNvPicPr>
-            <a:picLocks noChangeAspect="1"/>
-          </p:cNvPicPr>
-          <p:nvPr/>
-        </p:nvPicPr>
-        <p:blipFill>
-          <a:blip r:embed="rId7"/>
-          <a:stretch>
-            <a:fillRect/>
-          </a:stretch>
-        </p:blipFill>
-        <p:spPr>
-          <a:xfrm rot="11729278">
-            <a:off x="3352292" y="3959096"/>
-            <a:ext cx="1066614" cy="755242"/>
-          </a:xfrm>
-          <a:prstGeom prst="rect">
-            <a:avLst/>
-          </a:prstGeom>
-        </p:spPr>
-      </p:pic>
-      <p:pic>
-        <p:nvPicPr>
-          <p:cNvPr id="10" name="Image 9" descr="017.png"/>
-          <p:cNvPicPr>
-            <a:picLocks noChangeAspect="1"/>
-          </p:cNvPicPr>
-          <p:nvPr/>
-        </p:nvPicPr>
-        <p:blipFill>
-          <a:blip r:embed="rId8"/>
-          <a:stretch>
-            <a:fillRect/>
-          </a:stretch>
-        </p:blipFill>
-        <p:spPr>
-          <a:xfrm>
-            <a:off x="5000628" y="2000246"/>
-            <a:ext cx="3429024" cy="2126613"/>
-          </a:xfrm>
-          <a:prstGeom prst="rect">
-            <a:avLst/>
-          </a:prstGeom>
-        </p:spPr>
-      </p:pic>
     </p:spTree>
   </p:cSld>
   <p:clrMapOvr>
@@ -5829,30 +5858,421 @@
           <a:chExt cx="0" cy="0"/>
         </a:xfrm>
       </p:grpSpPr>
-      <p:pic>
-        <p:nvPicPr>
-          <p:cNvPr id="4" name="Image 3" descr="01.png"/>
-          <p:cNvPicPr>
-            <a:picLocks noChangeAspect="1"/>
-          </p:cNvPicPr>
+      <p:sp>
+        <p:nvSpPr>
+          <p:cNvPr id="2" name="Titre 1"/>
+          <p:cNvSpPr>
+            <a:spLocks noGrp="1"/>
+          </p:cNvSpPr>
+          <p:nvPr>
+            <p:ph type="title"/>
+          </p:nvPr>
+        </p:nvSpPr>
+        <p:spPr/>
+        <p:txBody>
+          <a:bodyPr/>
+          <a:lstStyle/>
+          <a:p>
+            <a:r>
+              <a:rPr lang="fr-CH" dirty="0" smtClean="0"/>
+              <a:t>Notre solution</a:t>
+            </a:r>
+            <a:endParaRPr lang="fr-CH" dirty="0"/>
+          </a:p>
+        </p:txBody>
+      </p:sp>
+      <p:sp>
+        <p:nvSpPr>
+          <p:cNvPr id="3" name="Espace réservé du texte 2"/>
+          <p:cNvSpPr>
+            <a:spLocks noGrp="1"/>
+          </p:cNvSpPr>
+          <p:nvPr>
+            <p:ph type="body" idx="1"/>
+          </p:nvPr>
+        </p:nvSpPr>
+        <p:spPr>
+          <a:xfrm>
+            <a:off x="311700" y="1152475"/>
+            <a:ext cx="8520600" cy="1490713"/>
+          </a:xfrm>
+        </p:spPr>
+        <p:txBody>
+          <a:bodyPr/>
+          <a:lstStyle/>
+          <a:p>
+            <a:pPr>
+              <a:buFont typeface="Arial" pitchFamily="34" charset="0"/>
+              <a:buChar char="•"/>
+            </a:pPr>
+            <a:r>
+              <a:rPr lang="fr-CH" dirty="0" smtClean="0"/>
+              <a:t> Un seul mot de passe « maître » à mémoriser</a:t>
+            </a:r>
+          </a:p>
+          <a:p>
+            <a:pPr>
+              <a:buFont typeface="Arial" pitchFamily="34" charset="0"/>
+              <a:buChar char="•"/>
+            </a:pPr>
+            <a:r>
+              <a:rPr lang="fr-CH" dirty="0" smtClean="0"/>
+              <a:t> Mot de passe généré pour chaque domaine</a:t>
+            </a:r>
+            <a:br>
+              <a:rPr lang="fr-CH" dirty="0" smtClean="0"/>
+            </a:br>
+            <a:r>
+              <a:rPr lang="fr-CH" dirty="0" smtClean="0"/>
+              <a:t>	</a:t>
+            </a:r>
+            <a:r>
+              <a:rPr lang="fr-CH" dirty="0" err="1" smtClean="0">
+                <a:latin typeface="Consolas" pitchFamily="49" charset="0"/>
+              </a:rPr>
+              <a:t>domain_pwd</a:t>
+            </a:r>
+            <a:r>
+              <a:rPr lang="fr-CH" dirty="0" smtClean="0">
+                <a:latin typeface="Consolas" pitchFamily="49" charset="0"/>
+              </a:rPr>
+              <a:t> = hash(</a:t>
+            </a:r>
+            <a:r>
+              <a:rPr lang="fr-CH" dirty="0" err="1" smtClean="0">
+                <a:latin typeface="Consolas" pitchFamily="49" charset="0"/>
+              </a:rPr>
+              <a:t>master_pwd</a:t>
+            </a:r>
+            <a:r>
+              <a:rPr lang="fr-CH" dirty="0" smtClean="0">
+                <a:latin typeface="Consolas" pitchFamily="49" charset="0"/>
+              </a:rPr>
+              <a:t>, </a:t>
+            </a:r>
+            <a:r>
+              <a:rPr lang="fr-CH" dirty="0" err="1" smtClean="0">
+                <a:latin typeface="Consolas" pitchFamily="49" charset="0"/>
+              </a:rPr>
+              <a:t>domain</a:t>
+            </a:r>
+            <a:r>
+              <a:rPr lang="fr-CH" dirty="0" smtClean="0">
+                <a:latin typeface="Consolas" pitchFamily="49" charset="0"/>
+              </a:rPr>
+              <a:t>)</a:t>
+            </a:r>
+          </a:p>
+          <a:p>
+            <a:endParaRPr lang="fr-CH" dirty="0" smtClean="0"/>
+          </a:p>
+        </p:txBody>
+      </p:sp>
+      <p:grpSp>
+        <p:nvGrpSpPr>
+          <p:cNvPr id="4" name="Groupe 9"/>
+          <p:cNvGrpSpPr/>
           <p:nvPr/>
-        </p:nvPicPr>
-        <p:blipFill>
-          <a:blip r:embed="rId2"/>
-          <a:stretch>
-            <a:fillRect/>
-          </a:stretch>
-        </p:blipFill>
-        <p:spPr>
-          <a:xfrm>
-            <a:off x="0" y="0"/>
-            <a:ext cx="9144000" cy="5143500"/>
-          </a:xfrm>
-          <a:prstGeom prst="rect">
-            <a:avLst/>
-          </a:prstGeom>
-        </p:spPr>
-      </p:pic>
+        </p:nvGrpSpPr>
+        <p:grpSpPr>
+          <a:xfrm>
+            <a:off x="428596" y="2857502"/>
+            <a:ext cx="8520600" cy="2571768"/>
+            <a:chOff x="428596" y="2857502"/>
+            <a:chExt cx="8520600" cy="2571768"/>
+          </a:xfrm>
+        </p:grpSpPr>
+        <p:sp>
+          <p:nvSpPr>
+            <p:cNvPr id="8" name="Espace réservé du texte 2"/>
+            <p:cNvSpPr txBox="1">
+              <a:spLocks/>
+            </p:cNvSpPr>
+            <p:nvPr/>
+          </p:nvSpPr>
+          <p:spPr>
+            <a:xfrm>
+              <a:off x="428596" y="2857502"/>
+              <a:ext cx="8520600" cy="2571768"/>
+            </a:xfrm>
+            <a:prstGeom prst="rect">
+              <a:avLst/>
+            </a:prstGeom>
+            <a:noFill/>
+            <a:ln>
+              <a:noFill/>
+            </a:ln>
+          </p:spPr>
+          <p:txBody>
+            <a:bodyPr lIns="91425" tIns="91425" rIns="91425" bIns="91425" anchor="t" anchorCtr="0"/>
+            <a:lstStyle/>
+            <a:p>
+              <a:pPr marL="0" marR="0" lvl="0" indent="0" algn="l" defTabSz="914400" rtl="0" eaLnBrk="1" fontAlgn="auto" latinLnBrk="0" hangingPunct="1">
+                <a:lnSpc>
+                  <a:spcPct val="115000"/>
+                </a:lnSpc>
+                <a:spcBef>
+                  <a:spcPts val="0"/>
+                </a:spcBef>
+                <a:spcAft>
+                  <a:spcPts val="1600"/>
+                </a:spcAft>
+                <a:buClr>
+                  <a:schemeClr val="dk2"/>
+                </a:buClr>
+                <a:buSzPct val="100000"/>
+                <a:buFont typeface="Arial" pitchFamily="34" charset="0"/>
+                <a:buChar char="•"/>
+                <a:tabLst/>
+                <a:defRPr/>
+              </a:pPr>
+              <a:r>
+                <a:rPr kumimoji="0" lang="fr-CH" sz="1800" b="0" i="0" u="none" strike="noStrike" kern="0" cap="none" spc="0" normalizeH="0" baseline="0" noProof="0" dirty="0" smtClean="0">
+                  <a:ln>
+                    <a:noFill/>
+                  </a:ln>
+                  <a:solidFill>
+                    <a:schemeClr val="dk2"/>
+                  </a:solidFill>
+                  <a:effectLst/>
+                  <a:uLnTx/>
+                  <a:uFillTx/>
+                  <a:latin typeface="Arial"/>
+                  <a:ea typeface="Arial"/>
+                  <a:cs typeface="Arial"/>
+                  <a:sym typeface="Arial"/>
+                </a:rPr>
+                <a:t> Critères</a:t>
+              </a:r>
+            </a:p>
+            <a:p>
+              <a:pPr marL="446088" marR="0" lvl="0" indent="0" algn="l" defTabSz="914400" rtl="0" eaLnBrk="1" fontAlgn="auto" latinLnBrk="0" hangingPunct="1">
+                <a:lnSpc>
+                  <a:spcPct val="115000"/>
+                </a:lnSpc>
+                <a:spcBef>
+                  <a:spcPts val="0"/>
+                </a:spcBef>
+                <a:spcAft>
+                  <a:spcPts val="1600"/>
+                </a:spcAft>
+                <a:buClr>
+                  <a:schemeClr val="dk2"/>
+                </a:buClr>
+                <a:buSzPct val="100000"/>
+                <a:buFont typeface="Arial" pitchFamily="34" charset="0"/>
+                <a:buChar char="•"/>
+                <a:tabLst/>
+                <a:defRPr/>
+              </a:pPr>
+              <a:r>
+                <a:rPr kumimoji="0" lang="fr-CH" sz="1800" b="0" i="0" u="none" strike="noStrike" kern="0" cap="none" spc="0" normalizeH="0" baseline="0" noProof="0" dirty="0" smtClean="0">
+                  <a:ln>
+                    <a:noFill/>
+                  </a:ln>
+                  <a:solidFill>
+                    <a:schemeClr val="dk2"/>
+                  </a:solidFill>
+                  <a:effectLst/>
+                  <a:uLnTx/>
+                  <a:uFillTx/>
+                  <a:latin typeface="Arial"/>
+                  <a:ea typeface="Arial"/>
+                  <a:cs typeface="Arial"/>
+                  <a:sym typeface="Arial"/>
+                </a:rPr>
+                <a:t> Unique </a:t>
+              </a:r>
+            </a:p>
+            <a:p>
+              <a:pPr marL="446088" marR="0" lvl="0" indent="0" algn="l" defTabSz="914400" rtl="0" eaLnBrk="1" fontAlgn="auto" latinLnBrk="0" hangingPunct="1">
+                <a:lnSpc>
+                  <a:spcPct val="115000"/>
+                </a:lnSpc>
+                <a:spcBef>
+                  <a:spcPts val="0"/>
+                </a:spcBef>
+                <a:spcAft>
+                  <a:spcPts val="1600"/>
+                </a:spcAft>
+                <a:buClr>
+                  <a:schemeClr val="dk2"/>
+                </a:buClr>
+                <a:buSzPct val="100000"/>
+                <a:buFont typeface="Arial" pitchFamily="34" charset="0"/>
+                <a:buChar char="•"/>
+                <a:tabLst/>
+                <a:defRPr/>
+              </a:pPr>
+              <a:r>
+                <a:rPr kumimoji="0" lang="fr-CH" sz="1800" b="0" i="0" u="none" strike="noStrike" kern="0" cap="none" spc="0" normalizeH="0" baseline="0" noProof="0" dirty="0" smtClean="0">
+                  <a:ln>
+                    <a:noFill/>
+                  </a:ln>
+                  <a:solidFill>
+                    <a:schemeClr val="dk2"/>
+                  </a:solidFill>
+                  <a:effectLst/>
+                  <a:uLnTx/>
+                  <a:uFillTx/>
+                  <a:latin typeface="Arial"/>
+                  <a:ea typeface="Arial"/>
+                  <a:cs typeface="Arial"/>
+                  <a:sym typeface="Arial"/>
+                </a:rPr>
+                <a:t> Mot de passe complexe</a:t>
+              </a:r>
+            </a:p>
+            <a:p>
+              <a:pPr marL="446088" marR="0" lvl="0" indent="0" algn="l" defTabSz="914400" rtl="0" eaLnBrk="1" fontAlgn="auto" latinLnBrk="0" hangingPunct="1">
+                <a:lnSpc>
+                  <a:spcPct val="115000"/>
+                </a:lnSpc>
+                <a:spcBef>
+                  <a:spcPts val="0"/>
+                </a:spcBef>
+                <a:spcAft>
+                  <a:spcPts val="1600"/>
+                </a:spcAft>
+                <a:buClr>
+                  <a:schemeClr val="dk2"/>
+                </a:buClr>
+                <a:buSzPct val="100000"/>
+                <a:buFont typeface="Arial" pitchFamily="34" charset="0"/>
+                <a:buChar char="•"/>
+                <a:tabLst/>
+                <a:defRPr/>
+              </a:pPr>
+              <a:r>
+                <a:rPr kumimoji="0" lang="fr-CH" sz="1800" b="0" i="0" u="none" strike="noStrike" kern="0" cap="none" spc="0" normalizeH="0" baseline="0" noProof="0" dirty="0" smtClean="0">
+                  <a:ln>
+                    <a:noFill/>
+                  </a:ln>
+                  <a:solidFill>
+                    <a:schemeClr val="dk2"/>
+                  </a:solidFill>
+                  <a:effectLst/>
+                  <a:uLnTx/>
+                  <a:uFillTx/>
+                  <a:latin typeface="Arial"/>
+                  <a:ea typeface="Arial"/>
+                  <a:cs typeface="Arial"/>
+                  <a:sym typeface="Arial"/>
+                </a:rPr>
+                <a:t> Stocké nulle part</a:t>
+              </a:r>
+            </a:p>
+            <a:p>
+              <a:pPr marL="0" marR="0" lvl="0" indent="0" algn="l" defTabSz="914400" rtl="0" eaLnBrk="1" fontAlgn="auto" latinLnBrk="0" hangingPunct="1">
+                <a:lnSpc>
+                  <a:spcPct val="115000"/>
+                </a:lnSpc>
+                <a:spcBef>
+                  <a:spcPts val="0"/>
+                </a:spcBef>
+                <a:spcAft>
+                  <a:spcPts val="1600"/>
+                </a:spcAft>
+                <a:buClr>
+                  <a:schemeClr val="dk2"/>
+                </a:buClr>
+                <a:buSzPct val="100000"/>
+                <a:buFontTx/>
+                <a:buNone/>
+                <a:tabLst/>
+                <a:defRPr/>
+              </a:pPr>
+              <a:endParaRPr kumimoji="0" lang="fr-CH" sz="1800" b="0" i="0" u="none" strike="noStrike" kern="0" cap="none" spc="0" normalizeH="0" baseline="0" noProof="0" dirty="0" smtClean="0">
+                <a:ln>
+                  <a:noFill/>
+                </a:ln>
+                <a:solidFill>
+                  <a:schemeClr val="dk2"/>
+                </a:solidFill>
+                <a:effectLst/>
+                <a:uLnTx/>
+                <a:uFillTx/>
+                <a:latin typeface="Arial"/>
+                <a:ea typeface="Arial"/>
+                <a:cs typeface="Arial"/>
+                <a:sym typeface="Arial"/>
+              </a:endParaRPr>
+            </a:p>
+          </p:txBody>
+        </p:sp>
+        <p:pic>
+          <p:nvPicPr>
+            <p:cNvPr id="5" name="Image 4" descr="image_preview.png"/>
+            <p:cNvPicPr>
+              <a:picLocks noChangeAspect="1"/>
+            </p:cNvPicPr>
+            <p:nvPr/>
+          </p:nvPicPr>
+          <p:blipFill>
+            <a:blip r:embed="rId2"/>
+            <a:stretch>
+              <a:fillRect/>
+            </a:stretch>
+          </p:blipFill>
+          <p:spPr>
+            <a:xfrm>
+              <a:off x="1928794" y="3357568"/>
+              <a:ext cx="357190" cy="339331"/>
+            </a:xfrm>
+            <a:prstGeom prst="rect">
+              <a:avLst/>
+            </a:prstGeom>
+          </p:spPr>
+        </p:pic>
+        <p:pic>
+          <p:nvPicPr>
+            <p:cNvPr id="9" name="Image 8" descr="image_preview.png"/>
+            <p:cNvPicPr>
+              <a:picLocks noChangeAspect="1"/>
+            </p:cNvPicPr>
+            <p:nvPr/>
+          </p:nvPicPr>
+          <p:blipFill>
+            <a:blip r:embed="rId2"/>
+            <a:stretch>
+              <a:fillRect/>
+            </a:stretch>
+          </p:blipFill>
+          <p:spPr>
+            <a:xfrm>
+              <a:off x="3643306" y="3929072"/>
+              <a:ext cx="357190" cy="339331"/>
+            </a:xfrm>
+            <a:prstGeom prst="rect">
+              <a:avLst/>
+            </a:prstGeom>
+          </p:spPr>
+        </p:pic>
+        <p:pic>
+          <p:nvPicPr>
+            <p:cNvPr id="6" name="Image 5" descr="image_preview.png"/>
+            <p:cNvPicPr>
+              <a:picLocks noChangeAspect="1"/>
+            </p:cNvPicPr>
+            <p:nvPr/>
+          </p:nvPicPr>
+          <p:blipFill>
+            <a:blip r:embed="rId2"/>
+            <a:stretch>
+              <a:fillRect/>
+            </a:stretch>
+          </p:blipFill>
+          <p:spPr>
+            <a:xfrm>
+              <a:off x="3000364" y="4429138"/>
+              <a:ext cx="357190" cy="339331"/>
+            </a:xfrm>
+            <a:prstGeom prst="rect">
+              <a:avLst/>
+            </a:prstGeom>
+          </p:spPr>
+        </p:pic>
+      </p:grpSp>
     </p:spTree>
   </p:cSld>
   <p:clrMapOvr>
@@ -5861,7 +6281,121 @@
   <p:timing>
     <p:tnLst>
       <p:par>
-        <p:cTn id="1" dur="indefinite" restart="never" nodeType="tmRoot"/>
+        <p:cTn id="1" dur="indefinite" restart="never" nodeType="tmRoot">
+          <p:childTnLst>
+            <p:seq concurrent="1" nextAc="seek">
+              <p:cTn id="2" dur="indefinite" nodeType="mainSeq">
+                <p:childTnLst>
+                  <p:par>
+                    <p:cTn id="3" fill="hold">
+                      <p:stCondLst>
+                        <p:cond delay="indefinite"/>
+                      </p:stCondLst>
+                      <p:childTnLst>
+                        <p:par>
+                          <p:cTn id="4" fill="hold">
+                            <p:stCondLst>
+                              <p:cond delay="0"/>
+                            </p:stCondLst>
+                            <p:childTnLst>
+                              <p:par>
+                                <p:cTn id="5" presetID="2" presetClass="entr" presetSubtype="4" fill="hold" nodeType="clickEffect">
+                                  <p:stCondLst>
+                                    <p:cond delay="0"/>
+                                  </p:stCondLst>
+                                  <p:childTnLst>
+                                    <p:set>
+                                      <p:cBhvr>
+                                        <p:cTn id="6" dur="1" fill="hold">
+                                          <p:stCondLst>
+                                            <p:cond delay="0"/>
+                                          </p:stCondLst>
+                                        </p:cTn>
+                                        <p:tgtEl>
+                                          <p:spTgt spid="4"/>
+                                        </p:tgtEl>
+                                        <p:attrNameLst>
+                                          <p:attrName>style.visibility</p:attrName>
+                                        </p:attrNameLst>
+                                      </p:cBhvr>
+                                      <p:to>
+                                        <p:strVal val="visible"/>
+                                      </p:to>
+                                    </p:set>
+                                    <p:anim calcmode="lin" valueType="num">
+                                      <p:cBhvr additive="base">
+                                        <p:cTn id="7" dur="500" fill="hold"/>
+                                        <p:tgtEl>
+                                          <p:spTgt spid="4"/>
+                                        </p:tgtEl>
+                                        <p:attrNameLst>
+                                          <p:attrName>ppt_x</p:attrName>
+                                        </p:attrNameLst>
+                                      </p:cBhvr>
+                                      <p:tavLst>
+                                        <p:tav tm="0">
+                                          <p:val>
+                                            <p:strVal val="#ppt_x"/>
+                                          </p:val>
+                                        </p:tav>
+                                        <p:tav tm="100000">
+                                          <p:val>
+                                            <p:strVal val="#ppt_x"/>
+                                          </p:val>
+                                        </p:tav>
+                                      </p:tavLst>
+                                    </p:anim>
+                                    <p:anim calcmode="lin" valueType="num">
+                                      <p:cBhvr additive="base">
+                                        <p:cTn id="8" dur="500" fill="hold"/>
+                                        <p:tgtEl>
+                                          <p:spTgt spid="4"/>
+                                        </p:tgtEl>
+                                        <p:attrNameLst>
+                                          <p:attrName>ppt_y</p:attrName>
+                                        </p:attrNameLst>
+                                      </p:cBhvr>
+                                      <p:tavLst>
+                                        <p:tav tm="0">
+                                          <p:val>
+                                            <p:strVal val="1+#ppt_h/2"/>
+                                          </p:val>
+                                        </p:tav>
+                                        <p:tav tm="100000">
+                                          <p:val>
+                                            <p:strVal val="#ppt_y"/>
+                                          </p:val>
+                                        </p:tav>
+                                      </p:tavLst>
+                                    </p:anim>
+                                  </p:childTnLst>
+                                </p:cTn>
+                              </p:par>
+                            </p:childTnLst>
+                          </p:cTn>
+                        </p:par>
+                      </p:childTnLst>
+                    </p:cTn>
+                  </p:par>
+                </p:childTnLst>
+              </p:cTn>
+              <p:prevCondLst>
+                <p:cond evt="onPrev" delay="0">
+                  <p:tgtEl>
+                    <p:sldTgt/>
+                  </p:tgtEl>
+                </p:cond>
+              </p:prevCondLst>
+              <p:nextCondLst>
+                <p:cond evt="onNext" delay="0">
+                  <p:tgtEl>
+                    <p:sldTgt/>
+                  </p:tgtEl>
+                </p:cond>
+              </p:nextCondLst>
+            </p:seq>
+          </p:childTnLst>
+        </p:cTn>
       </p:par>
     </p:tnLst>
   </p:timing>
@@ -5873,7 +6407,7 @@
   <p:cSld>
     <p:spTree>
       <p:nvGrpSpPr>
-        <p:cNvPr id="1" name=""/>
+        <p:cNvPr id="1" name="Shape 83"/>
         <p:cNvGrpSpPr/>
         <p:nvPr/>
       </p:nvGrpSpPr>
@@ -5885,24 +6419,182 @@
           <a:chExt cx="0" cy="0"/>
         </a:xfrm>
       </p:grpSpPr>
+      <p:sp>
+        <p:nvSpPr>
+          <p:cNvPr id="84" name="Shape 84"/>
+          <p:cNvSpPr txBox="1">
+            <a:spLocks noGrp="1"/>
+          </p:cNvSpPr>
+          <p:nvPr>
+            <p:ph type="title"/>
+          </p:nvPr>
+        </p:nvSpPr>
+        <p:spPr>
+          <a:xfrm>
+            <a:off x="311700" y="445025"/>
+            <a:ext cx="8520600" cy="572700"/>
+          </a:xfrm>
+          <a:prstGeom prst="rect">
+            <a:avLst/>
+          </a:prstGeom>
+        </p:spPr>
+        <p:txBody>
+          <a:bodyPr lIns="91425" tIns="91425" rIns="91425" bIns="91425" anchor="t" anchorCtr="0">
+            <a:noAutofit/>
+          </a:bodyPr>
+          <a:lstStyle/>
+          <a:p>
+            <a:pPr lvl="0" rtl="0">
+              <a:spcBef>
+                <a:spcPts val="0"/>
+              </a:spcBef>
+              <a:buNone/>
+            </a:pPr>
+            <a:r>
+              <a:rPr lang="en" dirty="0"/>
+              <a:t>Notre proposition: architecture</a:t>
+            </a:r>
+          </a:p>
+        </p:txBody>
+      </p:sp>
       <p:pic>
         <p:nvPicPr>
-          <p:cNvPr id="4" name="Image 3" descr="02.png"/>
+          <p:cNvPr id="6" name="Image 5" descr="91140-2-4-Touch-TFT-LCD-Arduino-Shield-OEM-Pic002-700x700.jpg"/>
           <p:cNvPicPr>
             <a:picLocks noChangeAspect="1"/>
           </p:cNvPicPr>
           <p:nvPr/>
         </p:nvPicPr>
         <p:blipFill>
-          <a:blip r:embed="rId2"/>
+          <a:blip r:embed="rId3"/>
           <a:stretch>
             <a:fillRect/>
           </a:stretch>
         </p:blipFill>
         <p:spPr>
           <a:xfrm>
-            <a:off x="0" y="0"/>
-            <a:ext cx="9144000" cy="5143500"/>
+            <a:off x="357158" y="2571732"/>
+            <a:ext cx="2571768" cy="2571768"/>
+          </a:xfrm>
+          <a:prstGeom prst="rect">
+            <a:avLst/>
+          </a:prstGeom>
+        </p:spPr>
+      </p:pic>
+      <p:pic>
+        <p:nvPicPr>
+          <p:cNvPr id="7" name="Image 6" descr="240_F_104229027_LRi64xNEmP5QZSuVdCUEAXT7G94fsvz4.jpg"/>
+          <p:cNvPicPr>
+            <a:picLocks noChangeAspect="1"/>
+          </p:cNvPicPr>
+          <p:nvPr/>
+        </p:nvPicPr>
+        <p:blipFill>
+          <a:blip r:embed="rId4"/>
+          <a:stretch>
+            <a:fillRect/>
+          </a:stretch>
+        </p:blipFill>
+        <p:spPr>
+          <a:xfrm>
+            <a:off x="4267200" y="1785932"/>
+            <a:ext cx="4876800" cy="3048000"/>
+          </a:xfrm>
+          <a:prstGeom prst="rect">
+            <a:avLst/>
+          </a:prstGeom>
+        </p:spPr>
+      </p:pic>
+      <p:pic>
+        <p:nvPicPr>
+          <p:cNvPr id="9" name="Image 8" descr="01.png"/>
+          <p:cNvPicPr>
+            <a:picLocks noChangeAspect="1"/>
+          </p:cNvPicPr>
+          <p:nvPr/>
+        </p:nvPicPr>
+        <p:blipFill>
+          <a:blip r:embed="rId5"/>
+          <a:stretch>
+            <a:fillRect/>
+          </a:stretch>
+        </p:blipFill>
+        <p:spPr>
+          <a:xfrm>
+            <a:off x="500034" y="1714494"/>
+            <a:ext cx="2180412" cy="1285884"/>
+          </a:xfrm>
+          <a:prstGeom prst="rect">
+            <a:avLst/>
+          </a:prstGeom>
+        </p:spPr>
+      </p:pic>
+      <p:pic>
+        <p:nvPicPr>
+          <p:cNvPr id="11" name="Image 10" descr="03.png"/>
+          <p:cNvPicPr>
+            <a:picLocks noChangeAspect="1"/>
+          </p:cNvPicPr>
+          <p:nvPr/>
+        </p:nvPicPr>
+        <p:blipFill>
+          <a:blip r:embed="rId6"/>
+          <a:stretch>
+            <a:fillRect/>
+          </a:stretch>
+        </p:blipFill>
+        <p:spPr>
+          <a:xfrm rot="2885903">
+            <a:off x="2492266" y="4001132"/>
+            <a:ext cx="674672" cy="1068787"/>
+          </a:xfrm>
+          <a:prstGeom prst="rect">
+            <a:avLst/>
+          </a:prstGeom>
+        </p:spPr>
+      </p:pic>
+      <p:pic>
+        <p:nvPicPr>
+          <p:cNvPr id="14" name="Image 13" descr="04.png"/>
+          <p:cNvPicPr>
+            <a:picLocks noChangeAspect="1"/>
+          </p:cNvPicPr>
+          <p:nvPr/>
+        </p:nvPicPr>
+        <p:blipFill>
+          <a:blip r:embed="rId7"/>
+          <a:stretch>
+            <a:fillRect/>
+          </a:stretch>
+        </p:blipFill>
+        <p:spPr>
+          <a:xfrm rot="11729278">
+            <a:off x="3352292" y="3959096"/>
+            <a:ext cx="1066614" cy="755242"/>
+          </a:xfrm>
+          <a:prstGeom prst="rect">
+            <a:avLst/>
+          </a:prstGeom>
+        </p:spPr>
+      </p:pic>
+      <p:pic>
+        <p:nvPicPr>
+          <p:cNvPr id="10" name="Image 9" descr="017.png"/>
+          <p:cNvPicPr>
+            <a:picLocks noChangeAspect="1"/>
+          </p:cNvPicPr>
+          <p:nvPr/>
+        </p:nvPicPr>
+        <p:blipFill>
+          <a:blip r:embed="rId8"/>
+          <a:stretch>
+            <a:fillRect/>
+          </a:stretch>
+        </p:blipFill>
+        <p:spPr>
+          <a:xfrm>
+            <a:off x="5000628" y="2000246"/>
+            <a:ext cx="3429024" cy="2126613"/>
           </a:xfrm>
           <a:prstGeom prst="rect">
             <a:avLst/>
@@ -5943,7 +6635,7 @@
       </p:grpSpPr>
       <p:pic>
         <p:nvPicPr>
-          <p:cNvPr id="4" name="Image 3" descr="03.png"/>
+          <p:cNvPr id="4" name="Image 3" descr="01.png"/>
           <p:cNvPicPr>
             <a:picLocks noChangeAspect="1"/>
           </p:cNvPicPr>
@@ -5999,7 +6691,7 @@
       </p:grpSpPr>
       <p:pic>
         <p:nvPicPr>
-          <p:cNvPr id="4" name="Image 3" descr="04.png"/>
+          <p:cNvPr id="4" name="Image 3" descr="02.png"/>
           <p:cNvPicPr>
             <a:picLocks noChangeAspect="1"/>
           </p:cNvPicPr>
@@ -6055,7 +6747,7 @@
       </p:grpSpPr>
       <p:pic>
         <p:nvPicPr>
-          <p:cNvPr id="4" name="Image 3" descr="05.png"/>
+          <p:cNvPr id="4" name="Image 3" descr="03.png"/>
           <p:cNvPicPr>
             <a:picLocks noChangeAspect="1"/>
           </p:cNvPicPr>
